--- a/images/onebyone_container/Mount_Namespace/Mount_Namespace.pptx
+++ b/images/onebyone_container/Mount_Namespace/Mount_Namespace.pptx
@@ -964,9 +964,12 @@
           <a:pPr algn="ctr" latinLnBrk="1"/>
           <a:r>
             <a:rPr lang="en-US" altLang="ko-KR" sz="1000"/>
-            <a:t>/</a:t>
+            <a:t>/ </a:t>
           </a:r>
-          <a:endParaRPr lang="ko-KR" altLang="en-US" sz="1000"/>
+          <a:r>
+            <a:rPr lang="en-US" altLang="ko-KR" sz="1000" b="1"/>
+            <a:t>ext4</a:t>
+          </a:r>
         </a:p>
       </dgm:t>
     </dgm:pt>
@@ -1046,6 +1049,17 @@
             <a:rPr lang="en-US" altLang="ko-KR" sz="800"/>
             <a:t>nginx_continer_id/</a:t>
           </a:r>
+        </a:p>
+        <a:p>
+          <a:pPr algn="ctr" latinLnBrk="1"/>
+          <a:r>
+            <a:rPr lang="en-US" altLang="ko-KR" sz="800" b="1"/>
+            <a:t>OverlayFS</a:t>
+          </a:r>
+          <a:r>
+            <a:rPr lang="en-US" altLang="ko-KR" sz="800"/>
+            <a:t> </a:t>
+          </a:r>
           <a:endParaRPr lang="ko-KR" altLang="en-US" sz="800"/>
         </a:p>
       </dgm:t>
@@ -1086,7 +1100,14 @@
             <a:rPr lang="en-US" altLang="ko-KR" sz="800"/>
             <a:t>httpd_container_id/</a:t>
           </a:r>
-          <a:endParaRPr lang="ko-KR" altLang="en-US" sz="800"/>
+        </a:p>
+        <a:p>
+          <a:pPr algn="ctr" latinLnBrk="1"/>
+          <a:r>
+            <a:rPr lang="en-US" altLang="ko-KR" sz="800" b="1"/>
+            <a:t>OverlayFS</a:t>
+          </a:r>
+          <a:endParaRPr lang="ko-KR" altLang="en-US" sz="800" b="1"/>
         </a:p>
       </dgm:t>
     </dgm:pt>
@@ -1699,7 +1720,7 @@
       <dgm:spPr/>
     </dgm:pt>
     <dgm:pt modelId="{CCADC85A-F4C2-45FD-8053-D2D2B40A89A8}" type="pres">
-      <dgm:prSet presAssocID="{8B5E2B80-777A-4FA0-850B-3D8F4728099C}" presName="LevelTwoTextNode" presStyleLbl="node3" presStyleIdx="0" presStyleCnt="4" custScaleX="121809">
+      <dgm:prSet presAssocID="{8B5E2B80-777A-4FA0-850B-3D8F4728099C}" presName="LevelTwoTextNode" presStyleLbl="node3" presStyleIdx="0" presStyleCnt="4" custScaleX="121809" custScaleY="134551">
         <dgm:presLayoutVars>
           <dgm:chPref val="3"/>
         </dgm:presLayoutVars>
@@ -1843,7 +1864,7 @@
       <dgm:spPr/>
     </dgm:pt>
     <dgm:pt modelId="{5793D072-3965-4FFE-AB37-B7FC83D142BF}" type="pres">
-      <dgm:prSet presAssocID="{DA17CE19-1FD2-44D1-B10C-C9063C62F4C7}" presName="LevelTwoTextNode" presStyleLbl="node3" presStyleIdx="1" presStyleCnt="4" custScaleX="121809">
+      <dgm:prSet presAssocID="{DA17CE19-1FD2-44D1-B10C-C9063C62F4C7}" presName="LevelTwoTextNode" presStyleLbl="node3" presStyleIdx="1" presStyleCnt="4" custScaleX="121809" custScaleY="132353">
         <dgm:presLayoutVars>
           <dgm:chPref val="3"/>
         </dgm:presLayoutVars>
@@ -2224,8 +2245,8 @@
       </dsp:nvSpPr>
       <dsp:spPr>
         <a:xfrm>
-          <a:off x="2920546" y="3365443"/>
-          <a:ext cx="198227" cy="188859"/>
+          <a:off x="2939639" y="3370670"/>
+          <a:ext cx="195746" cy="186496"/>
         </a:xfrm>
         <a:custGeom>
           <a:avLst/>
@@ -2239,13 +2260,13 @@
                 <a:pt x="0" y="0"/>
               </a:moveTo>
               <a:lnTo>
-                <a:pt x="99113" y="0"/>
+                <a:pt x="97873" y="0"/>
               </a:lnTo>
               <a:lnTo>
-                <a:pt x="99113" y="188859"/>
+                <a:pt x="97873" y="186496"/>
               </a:lnTo>
               <a:lnTo>
-                <a:pt x="198227" y="188859"/>
+                <a:pt x="195746" y="186496"/>
               </a:lnTo>
             </a:path>
           </a:pathLst>
@@ -2299,8 +2320,8 @@
         </a:p>
       </dsp:txBody>
       <dsp:txXfrm>
-        <a:off x="3012815" y="3453028"/>
-        <a:ext cx="13689" cy="13689"/>
+        <a:off x="3030754" y="3457159"/>
+        <a:ext cx="13518" cy="13518"/>
       </dsp:txXfrm>
     </dsp:sp>
     <dsp:sp modelId="{EC84EEA8-397C-40EA-8ECA-DD797BD7D272}">
@@ -2310,8 +2331,8 @@
       </dsp:nvSpPr>
       <dsp:spPr>
         <a:xfrm>
-          <a:off x="2920546" y="3176583"/>
-          <a:ext cx="198227" cy="188859"/>
+          <a:off x="2939639" y="3184174"/>
+          <a:ext cx="195746" cy="186496"/>
         </a:xfrm>
         <a:custGeom>
           <a:avLst/>
@@ -2322,16 +2343,16 @@
           <a:pathLst>
             <a:path>
               <a:moveTo>
-                <a:pt x="0" y="188859"/>
+                <a:pt x="0" y="186496"/>
               </a:moveTo>
               <a:lnTo>
-                <a:pt x="99113" y="188859"/>
+                <a:pt x="97873" y="186496"/>
               </a:lnTo>
               <a:lnTo>
-                <a:pt x="99113" y="0"/>
+                <a:pt x="97873" y="0"/>
               </a:lnTo>
               <a:lnTo>
-                <a:pt x="198227" y="0"/>
+                <a:pt x="195746" y="0"/>
               </a:lnTo>
             </a:path>
           </a:pathLst>
@@ -2385,8 +2406,8 @@
         </a:p>
       </dsp:txBody>
       <dsp:txXfrm>
-        <a:off x="3012815" y="3264168"/>
-        <a:ext cx="13689" cy="13689"/>
+        <a:off x="3030754" y="3270663"/>
+        <a:ext cx="13518" cy="13518"/>
       </dsp:txXfrm>
     </dsp:sp>
     <dsp:sp modelId="{594B18C9-2629-459A-9109-A204AF5F8317}">
@@ -2396,8 +2417,8 @@
       </dsp:nvSpPr>
       <dsp:spPr>
         <a:xfrm>
-          <a:off x="2361763" y="2610003"/>
-          <a:ext cx="198227" cy="755439"/>
+          <a:off x="2387849" y="2599729"/>
+          <a:ext cx="195746" cy="770940"/>
         </a:xfrm>
         <a:custGeom>
           <a:avLst/>
@@ -2411,13 +2432,13 @@
                 <a:pt x="0" y="0"/>
               </a:moveTo>
               <a:lnTo>
-                <a:pt x="99113" y="0"/>
+                <a:pt x="97873" y="0"/>
               </a:lnTo>
               <a:lnTo>
-                <a:pt x="99113" y="755439"/>
+                <a:pt x="97873" y="770940"/>
               </a:lnTo>
               <a:lnTo>
-                <a:pt x="198227" y="755439"/>
+                <a:pt x="195746" y="770940"/>
               </a:lnTo>
             </a:path>
           </a:pathLst>
@@ -2471,8 +2492,8 @@
         </a:p>
       </dsp:txBody>
       <dsp:txXfrm>
-        <a:off x="2441352" y="2968197"/>
-        <a:ext cx="39050" cy="39050"/>
+        <a:off x="2465837" y="2965315"/>
+        <a:ext cx="39770" cy="39770"/>
       </dsp:txXfrm>
     </dsp:sp>
     <dsp:sp modelId="{B4748C11-8C56-4F61-8D3F-2CCAE5F66920}">
@@ -2482,8 +2503,8 @@
       </dsp:nvSpPr>
       <dsp:spPr>
         <a:xfrm>
-          <a:off x="5172806" y="2798863"/>
-          <a:ext cx="198227" cy="755439"/>
+          <a:off x="5163714" y="2762911"/>
+          <a:ext cx="195746" cy="745986"/>
         </a:xfrm>
         <a:custGeom>
           <a:avLst/>
@@ -2497,13 +2518,13 @@
                 <a:pt x="0" y="0"/>
               </a:moveTo>
               <a:lnTo>
-                <a:pt x="99113" y="0"/>
+                <a:pt x="97873" y="0"/>
               </a:lnTo>
               <a:lnTo>
-                <a:pt x="99113" y="755439"/>
+                <a:pt x="97873" y="745986"/>
               </a:lnTo>
               <a:lnTo>
-                <a:pt x="198227" y="755439"/>
+                <a:pt x="195746" y="745986"/>
               </a:lnTo>
             </a:path>
           </a:pathLst>
@@ -2557,8 +2578,8 @@
         </a:p>
       </dsp:txBody>
       <dsp:txXfrm>
-        <a:off x="5252395" y="3157057"/>
-        <a:ext cx="39050" cy="39050"/>
+        <a:off x="5242306" y="3116623"/>
+        <a:ext cx="38562" cy="38562"/>
       </dsp:txXfrm>
     </dsp:sp>
     <dsp:sp modelId="{B98F0C68-1ABA-4367-86D3-9B7C923C5478}">
@@ -2568,8 +2589,8 @@
       </dsp:nvSpPr>
       <dsp:spPr>
         <a:xfrm>
-          <a:off x="5172806" y="2798863"/>
-          <a:ext cx="198227" cy="377719"/>
+          <a:off x="5163714" y="2762911"/>
+          <a:ext cx="195746" cy="372993"/>
         </a:xfrm>
         <a:custGeom>
           <a:avLst/>
@@ -2583,13 +2604,13 @@
                 <a:pt x="0" y="0"/>
               </a:moveTo>
               <a:lnTo>
-                <a:pt x="99113" y="0"/>
+                <a:pt x="97873" y="0"/>
               </a:lnTo>
               <a:lnTo>
-                <a:pt x="99113" y="377719"/>
+                <a:pt x="97873" y="372993"/>
               </a:lnTo>
               <a:lnTo>
-                <a:pt x="198227" y="377719"/>
+                <a:pt x="195746" y="372993"/>
               </a:lnTo>
             </a:path>
           </a:pathLst>
@@ -2643,8 +2664,8 @@
         </a:p>
       </dsp:txBody>
       <dsp:txXfrm>
-        <a:off x="5261256" y="2977058"/>
-        <a:ext cx="21328" cy="21328"/>
+        <a:off x="5251057" y="2938876"/>
+        <a:ext cx="21061" cy="21061"/>
       </dsp:txXfrm>
     </dsp:sp>
     <dsp:sp modelId="{EDFB2655-3406-4AD2-95CC-859BF5674FDA}">
@@ -2654,8 +2675,8 @@
       </dsp:nvSpPr>
       <dsp:spPr>
         <a:xfrm>
-          <a:off x="5172806" y="2753143"/>
-          <a:ext cx="198227" cy="91440"/>
+          <a:off x="5163714" y="2717191"/>
+          <a:ext cx="195746" cy="91440"/>
         </a:xfrm>
         <a:custGeom>
           <a:avLst/>
@@ -2669,7 +2690,7 @@
                 <a:pt x="0" y="45720"/>
               </a:moveTo>
               <a:lnTo>
-                <a:pt x="198227" y="45720"/>
+                <a:pt x="195746" y="45720"/>
               </a:lnTo>
             </a:path>
           </a:pathLst>
@@ -2723,8 +2744,8 @@
         </a:p>
       </dsp:txBody>
       <dsp:txXfrm>
-        <a:off x="5266965" y="2793907"/>
-        <a:ext cx="9911" cy="9911"/>
+        <a:off x="5256694" y="2758017"/>
+        <a:ext cx="9787" cy="9787"/>
       </dsp:txXfrm>
     </dsp:sp>
     <dsp:sp modelId="{7941C30B-9620-4C72-B80F-68EC66D1272F}">
@@ -2734,8 +2755,8 @@
       </dsp:nvSpPr>
       <dsp:spPr>
         <a:xfrm>
-          <a:off x="5172806" y="2421143"/>
-          <a:ext cx="198227" cy="377719"/>
+          <a:off x="5163714" y="2389918"/>
+          <a:ext cx="195746" cy="372993"/>
         </a:xfrm>
         <a:custGeom>
           <a:avLst/>
@@ -2746,16 +2767,16 @@
           <a:pathLst>
             <a:path>
               <a:moveTo>
-                <a:pt x="0" y="377719"/>
+                <a:pt x="0" y="372993"/>
               </a:moveTo>
               <a:lnTo>
-                <a:pt x="99113" y="377719"/>
+                <a:pt x="97873" y="372993"/>
               </a:lnTo>
               <a:lnTo>
-                <a:pt x="99113" y="0"/>
+                <a:pt x="97873" y="0"/>
               </a:lnTo>
               <a:lnTo>
-                <a:pt x="198227" y="0"/>
+                <a:pt x="195746" y="0"/>
               </a:lnTo>
             </a:path>
           </a:pathLst>
@@ -2809,8 +2830,8 @@
         </a:p>
       </dsp:txBody>
       <dsp:txXfrm>
-        <a:off x="5261256" y="2599339"/>
-        <a:ext cx="21328" cy="21328"/>
+        <a:off x="5251057" y="2565883"/>
+        <a:ext cx="21061" cy="21061"/>
       </dsp:txXfrm>
     </dsp:sp>
     <dsp:sp modelId="{EAF4B02B-506F-4D1B-9791-A9730FDE6E7E}">
@@ -2820,8 +2841,8 @@
       </dsp:nvSpPr>
       <dsp:spPr>
         <a:xfrm>
-          <a:off x="5172806" y="2043423"/>
-          <a:ext cx="198227" cy="755439"/>
+          <a:off x="5163714" y="2016925"/>
+          <a:ext cx="195746" cy="745986"/>
         </a:xfrm>
         <a:custGeom>
           <a:avLst/>
@@ -2832,16 +2853,16 @@
           <a:pathLst>
             <a:path>
               <a:moveTo>
-                <a:pt x="0" y="755439"/>
+                <a:pt x="0" y="745986"/>
               </a:moveTo>
               <a:lnTo>
-                <a:pt x="99113" y="755439"/>
+                <a:pt x="97873" y="745986"/>
               </a:lnTo>
               <a:lnTo>
-                <a:pt x="99113" y="0"/>
+                <a:pt x="97873" y="0"/>
               </a:lnTo>
               <a:lnTo>
-                <a:pt x="198227" y="0"/>
+                <a:pt x="195746" y="0"/>
               </a:lnTo>
             </a:path>
           </a:pathLst>
@@ -2895,8 +2916,8 @@
         </a:p>
       </dsp:txBody>
       <dsp:txXfrm>
-        <a:off x="5252395" y="2401618"/>
-        <a:ext cx="39050" cy="39050"/>
+        <a:off x="5242306" y="2370637"/>
+        <a:ext cx="38562" cy="38562"/>
       </dsp:txXfrm>
     </dsp:sp>
     <dsp:sp modelId="{6E5E96F3-5A5B-441F-9686-C106E8B930D5}">
@@ -2906,8 +2927,8 @@
       </dsp:nvSpPr>
       <dsp:spPr>
         <a:xfrm>
-          <a:off x="3767285" y="1854563"/>
-          <a:ext cx="198227" cy="944299"/>
+          <a:off x="3775781" y="1828788"/>
+          <a:ext cx="195746" cy="934122"/>
         </a:xfrm>
         <a:custGeom>
           <a:avLst/>
@@ -2921,13 +2942,13 @@
                 <a:pt x="0" y="0"/>
               </a:moveTo>
               <a:lnTo>
-                <a:pt x="99113" y="0"/>
+                <a:pt x="97873" y="0"/>
               </a:lnTo>
               <a:lnTo>
-                <a:pt x="99113" y="944299"/>
+                <a:pt x="97873" y="934122"/>
               </a:lnTo>
               <a:lnTo>
-                <a:pt x="198227" y="944299"/>
+                <a:pt x="195746" y="934122"/>
               </a:lnTo>
             </a:path>
           </a:pathLst>
@@ -2981,8 +3002,8 @@
         </a:p>
       </dsp:txBody>
       <dsp:txXfrm>
-        <a:off x="3842276" y="2302591"/>
-        <a:ext cx="48244" cy="48244"/>
+        <a:off x="3849794" y="2271989"/>
+        <a:ext cx="47720" cy="47720"/>
       </dsp:txXfrm>
     </dsp:sp>
     <dsp:sp modelId="{D593FF9B-61C7-460C-8EE5-25E5CCC41B0E}">
@@ -2992,8 +3013,8 @@
       </dsp:nvSpPr>
       <dsp:spPr>
         <a:xfrm>
-          <a:off x="5172806" y="910263"/>
-          <a:ext cx="198227" cy="755439"/>
+          <a:off x="5163714" y="897945"/>
+          <a:ext cx="195746" cy="745986"/>
         </a:xfrm>
         <a:custGeom>
           <a:avLst/>
@@ -3007,13 +3028,13 @@
                 <a:pt x="0" y="0"/>
               </a:moveTo>
               <a:lnTo>
-                <a:pt x="99113" y="0"/>
+                <a:pt x="97873" y="0"/>
               </a:lnTo>
               <a:lnTo>
-                <a:pt x="99113" y="755439"/>
+                <a:pt x="97873" y="745986"/>
               </a:lnTo>
               <a:lnTo>
-                <a:pt x="198227" y="755439"/>
+                <a:pt x="195746" y="745986"/>
               </a:lnTo>
             </a:path>
           </a:pathLst>
@@ -3067,8 +3088,8 @@
         </a:p>
       </dsp:txBody>
       <dsp:txXfrm>
-        <a:off x="5252395" y="1268458"/>
-        <a:ext cx="39050" cy="39050"/>
+        <a:off x="5242306" y="1251657"/>
+        <a:ext cx="38562" cy="38562"/>
       </dsp:txXfrm>
     </dsp:sp>
     <dsp:sp modelId="{93C3BF4E-8E4A-4E02-9F2D-ABFFB23AFE41}">
@@ -3078,8 +3099,8 @@
       </dsp:nvSpPr>
       <dsp:spPr>
         <a:xfrm>
-          <a:off x="5172806" y="910263"/>
-          <a:ext cx="198227" cy="377719"/>
+          <a:off x="5163714" y="897945"/>
+          <a:ext cx="195746" cy="372993"/>
         </a:xfrm>
         <a:custGeom>
           <a:avLst/>
@@ -3093,13 +3114,13 @@
                 <a:pt x="0" y="0"/>
               </a:moveTo>
               <a:lnTo>
-                <a:pt x="99113" y="0"/>
+                <a:pt x="97873" y="0"/>
               </a:lnTo>
               <a:lnTo>
-                <a:pt x="99113" y="377719"/>
+                <a:pt x="97873" y="372993"/>
               </a:lnTo>
               <a:lnTo>
-                <a:pt x="198227" y="377719"/>
+                <a:pt x="195746" y="372993"/>
               </a:lnTo>
             </a:path>
           </a:pathLst>
@@ -3153,8 +3174,8 @@
         </a:p>
       </dsp:txBody>
       <dsp:txXfrm>
-        <a:off x="5261256" y="1088459"/>
-        <a:ext cx="21328" cy="21328"/>
+        <a:off x="5251057" y="1073911"/>
+        <a:ext cx="21061" cy="21061"/>
       </dsp:txXfrm>
     </dsp:sp>
     <dsp:sp modelId="{9861CC1D-D259-4D48-AD68-B6EA9E5BA194}">
@@ -3164,8 +3185,8 @@
       </dsp:nvSpPr>
       <dsp:spPr>
         <a:xfrm>
-          <a:off x="5172806" y="864543"/>
-          <a:ext cx="198227" cy="91440"/>
+          <a:off x="5163714" y="852225"/>
+          <a:ext cx="195746" cy="91440"/>
         </a:xfrm>
         <a:custGeom>
           <a:avLst/>
@@ -3179,7 +3200,7 @@
                 <a:pt x="0" y="45720"/>
               </a:moveTo>
               <a:lnTo>
-                <a:pt x="198227" y="45720"/>
+                <a:pt x="195746" y="45720"/>
               </a:lnTo>
             </a:path>
           </a:pathLst>
@@ -3233,8 +3254,8 @@
         </a:p>
       </dsp:txBody>
       <dsp:txXfrm>
-        <a:off x="5266965" y="905307"/>
-        <a:ext cx="9911" cy="9911"/>
+        <a:off x="5256694" y="893052"/>
+        <a:ext cx="9787" cy="9787"/>
       </dsp:txXfrm>
     </dsp:sp>
     <dsp:sp modelId="{D18E290D-0C87-436A-966A-C1C472A3E75A}">
@@ -3244,8 +3265,8 @@
       </dsp:nvSpPr>
       <dsp:spPr>
         <a:xfrm>
-          <a:off x="5172806" y="532543"/>
-          <a:ext cx="198227" cy="377719"/>
+          <a:off x="5163714" y="524952"/>
+          <a:ext cx="195746" cy="372993"/>
         </a:xfrm>
         <a:custGeom>
           <a:avLst/>
@@ -3256,16 +3277,16 @@
           <a:pathLst>
             <a:path>
               <a:moveTo>
-                <a:pt x="0" y="377719"/>
+                <a:pt x="0" y="372993"/>
               </a:moveTo>
               <a:lnTo>
-                <a:pt x="99113" y="377719"/>
+                <a:pt x="97873" y="372993"/>
               </a:lnTo>
               <a:lnTo>
-                <a:pt x="99113" y="0"/>
+                <a:pt x="97873" y="0"/>
               </a:lnTo>
               <a:lnTo>
-                <a:pt x="198227" y="0"/>
+                <a:pt x="195746" y="0"/>
               </a:lnTo>
             </a:path>
           </a:pathLst>
@@ -3319,8 +3340,8 @@
         </a:p>
       </dsp:txBody>
       <dsp:txXfrm>
-        <a:off x="5261256" y="710739"/>
-        <a:ext cx="21328" cy="21328"/>
+        <a:off x="5251057" y="700918"/>
+        <a:ext cx="21061" cy="21061"/>
       </dsp:txXfrm>
     </dsp:sp>
     <dsp:sp modelId="{E32D643D-5EF7-4045-98EC-43CC3FF18CC6}">
@@ -3330,8 +3351,8 @@
       </dsp:nvSpPr>
       <dsp:spPr>
         <a:xfrm>
-          <a:off x="5172806" y="154823"/>
-          <a:ext cx="198227" cy="755439"/>
+          <a:off x="5163714" y="151959"/>
+          <a:ext cx="195746" cy="745986"/>
         </a:xfrm>
         <a:custGeom>
           <a:avLst/>
@@ -3342,16 +3363,16 @@
           <a:pathLst>
             <a:path>
               <a:moveTo>
-                <a:pt x="0" y="755439"/>
+                <a:pt x="0" y="745986"/>
               </a:moveTo>
               <a:lnTo>
-                <a:pt x="99113" y="755439"/>
+                <a:pt x="97873" y="745986"/>
               </a:lnTo>
               <a:lnTo>
-                <a:pt x="99113" y="0"/>
+                <a:pt x="97873" y="0"/>
               </a:lnTo>
               <a:lnTo>
-                <a:pt x="198227" y="0"/>
+                <a:pt x="195746" y="0"/>
               </a:lnTo>
             </a:path>
           </a:pathLst>
@@ -3405,8 +3426,8 @@
         </a:p>
       </dsp:txBody>
       <dsp:txXfrm>
-        <a:off x="5252395" y="513018"/>
-        <a:ext cx="39050" cy="39050"/>
+        <a:off x="5242306" y="505671"/>
+        <a:ext cx="38562" cy="38562"/>
       </dsp:txXfrm>
     </dsp:sp>
     <dsp:sp modelId="{C11E6AA1-9BD9-4397-BF5C-AAEDF728022E}">
@@ -3416,8 +3437,8 @@
       </dsp:nvSpPr>
       <dsp:spPr>
         <a:xfrm>
-          <a:off x="3767285" y="910263"/>
-          <a:ext cx="198227" cy="944299"/>
+          <a:off x="3775781" y="897945"/>
+          <a:ext cx="195746" cy="930843"/>
         </a:xfrm>
         <a:custGeom>
           <a:avLst/>
@@ -3428,16 +3449,16 @@
           <a:pathLst>
             <a:path>
               <a:moveTo>
-                <a:pt x="0" y="944299"/>
+                <a:pt x="0" y="930843"/>
               </a:moveTo>
               <a:lnTo>
-                <a:pt x="99113" y="944299"/>
+                <a:pt x="97873" y="930843"/>
               </a:lnTo>
               <a:lnTo>
-                <a:pt x="99113" y="0"/>
+                <a:pt x="97873" y="0"/>
               </a:lnTo>
               <a:lnTo>
-                <a:pt x="198227" y="0"/>
+                <a:pt x="195746" y="0"/>
               </a:lnTo>
             </a:path>
           </a:pathLst>
@@ -3491,8 +3512,8 @@
         </a:p>
       </dsp:txBody>
       <dsp:txXfrm>
-        <a:off x="3842276" y="1358291"/>
-        <a:ext cx="48244" cy="48244"/>
+        <a:off x="3849875" y="1339587"/>
+        <a:ext cx="47560" cy="47560"/>
       </dsp:txXfrm>
     </dsp:sp>
     <dsp:sp modelId="{37E07016-87DF-456F-9A7E-EEBA048F2B47}">
@@ -3502,8 +3523,8 @@
       </dsp:nvSpPr>
       <dsp:spPr>
         <a:xfrm>
-          <a:off x="2361763" y="1854563"/>
-          <a:ext cx="198227" cy="755439"/>
+          <a:off x="2387849" y="1828788"/>
+          <a:ext cx="195746" cy="770940"/>
         </a:xfrm>
         <a:custGeom>
           <a:avLst/>
@@ -3514,16 +3535,16 @@
           <a:pathLst>
             <a:path>
               <a:moveTo>
-                <a:pt x="0" y="755439"/>
+                <a:pt x="0" y="770940"/>
               </a:moveTo>
               <a:lnTo>
-                <a:pt x="99113" y="755439"/>
+                <a:pt x="97873" y="770940"/>
               </a:lnTo>
               <a:lnTo>
-                <a:pt x="99113" y="0"/>
+                <a:pt x="97873" y="0"/>
               </a:lnTo>
               <a:lnTo>
-                <a:pt x="198227" y="0"/>
+                <a:pt x="195746" y="0"/>
               </a:lnTo>
             </a:path>
           </a:pathLst>
@@ -3577,8 +3598,8 @@
         </a:p>
       </dsp:txBody>
       <dsp:txXfrm>
-        <a:off x="2441352" y="2212758"/>
-        <a:ext cx="39050" cy="39050"/>
+        <a:off x="2465837" y="2194374"/>
+        <a:ext cx="39770" cy="39770"/>
       </dsp:txXfrm>
     </dsp:sp>
     <dsp:sp modelId="{6B011AF8-01C2-4A90-839D-8C3F790B887F}">
@@ -3588,8 +3609,8 @@
       </dsp:nvSpPr>
       <dsp:spPr>
         <a:xfrm rot="16200000">
-          <a:off x="1906360" y="2458915"/>
-          <a:ext cx="608630" cy="302175"/>
+          <a:off x="1938145" y="2450532"/>
+          <a:ext cx="601013" cy="298394"/>
         </a:xfrm>
         <a:prstGeom prst="rect">
           <a:avLst/>
@@ -3650,14 +3671,17 @@
           </a:pPr>
           <a:r>
             <a:rPr lang="en-US" altLang="ko-KR" sz="1000" kern="1200"/>
-            <a:t>/</a:t>
+            <a:t>/ </a:t>
           </a:r>
-          <a:endParaRPr lang="ko-KR" altLang="en-US" sz="1000" kern="1200"/>
+          <a:r>
+            <a:rPr lang="en-US" altLang="ko-KR" sz="1000" b="1" kern="1200"/>
+            <a:t>ext4</a:t>
+          </a:r>
         </a:p>
       </dsp:txBody>
       <dsp:txXfrm>
-        <a:off x="1906360" y="2458915"/>
-        <a:ext cx="608630" cy="302175"/>
+        <a:off x="1938145" y="2450532"/>
+        <a:ext cx="601013" cy="298394"/>
       </dsp:txXfrm>
     </dsp:sp>
     <dsp:sp modelId="{64EBDC6D-19EF-4725-8311-441AC2D8A79D}">
@@ -3667,8 +3691,8 @@
       </dsp:nvSpPr>
       <dsp:spPr>
         <a:xfrm>
-          <a:off x="2559991" y="1703475"/>
-          <a:ext cx="1207294" cy="302175"/>
+          <a:off x="2583596" y="1679591"/>
+          <a:ext cx="1192185" cy="298394"/>
         </a:xfrm>
         <a:prstGeom prst="rect">
           <a:avLst/>
@@ -3735,8 +3759,8 @@
         </a:p>
       </dsp:txBody>
       <dsp:txXfrm>
-        <a:off x="2559991" y="1703475"/>
-        <a:ext cx="1207294" cy="302175"/>
+        <a:off x="2583596" y="1679591"/>
+        <a:ext cx="1192185" cy="298394"/>
       </dsp:txXfrm>
     </dsp:sp>
     <dsp:sp modelId="{CCADC85A-F4C2-45FD-8053-D2D2B40A89A8}">
@@ -3746,8 +3770,8 @@
       </dsp:nvSpPr>
       <dsp:spPr>
         <a:xfrm>
-          <a:off x="3965512" y="759175"/>
-          <a:ext cx="1207294" cy="302175"/>
+          <a:off x="3971528" y="697199"/>
+          <a:ext cx="1192185" cy="401492"/>
         </a:xfrm>
         <a:prstGeom prst="rect">
           <a:avLst/>
@@ -3810,12 +3834,34 @@
             <a:rPr lang="en-US" altLang="ko-KR" sz="800" kern="1200"/>
             <a:t>nginx_continer_id/</a:t>
           </a:r>
+        </a:p>
+        <a:p>
+          <a:pPr marL="0" lvl="0" indent="0" algn="ctr" defTabSz="355600" latinLnBrk="1">
+            <a:lnSpc>
+              <a:spcPct val="90000"/>
+            </a:lnSpc>
+            <a:spcBef>
+              <a:spcPct val="0"/>
+            </a:spcBef>
+            <a:spcAft>
+              <a:spcPct val="35000"/>
+            </a:spcAft>
+            <a:buNone/>
+          </a:pPr>
+          <a:r>
+            <a:rPr lang="en-US" altLang="ko-KR" sz="800" b="1" kern="1200"/>
+            <a:t>OverlayFS</a:t>
+          </a:r>
+          <a:r>
+            <a:rPr lang="en-US" altLang="ko-KR" sz="800" kern="1200"/>
+            <a:t> </a:t>
+          </a:r>
           <a:endParaRPr lang="ko-KR" altLang="en-US" sz="800" kern="1200"/>
         </a:p>
       </dsp:txBody>
       <dsp:txXfrm>
-        <a:off x="3965512" y="759175"/>
-        <a:ext cx="1207294" cy="302175"/>
+        <a:off x="3971528" y="697199"/>
+        <a:ext cx="1192185" cy="401492"/>
       </dsp:txXfrm>
     </dsp:sp>
     <dsp:sp modelId="{6C09B2B8-B3AA-4A67-AD6B-94E03F245268}">
@@ -3825,8 +3871,8 @@
       </dsp:nvSpPr>
       <dsp:spPr>
         <a:xfrm>
-          <a:off x="5371034" y="3735"/>
-          <a:ext cx="1461857" cy="302175"/>
+          <a:off x="5359461" y="2762"/>
+          <a:ext cx="1443563" cy="298394"/>
         </a:xfrm>
         <a:prstGeom prst="rect">
           <a:avLst/>
@@ -3893,8 +3939,8 @@
         </a:p>
       </dsp:txBody>
       <dsp:txXfrm>
-        <a:off x="5371034" y="3735"/>
-        <a:ext cx="1461857" cy="302175"/>
+        <a:off x="5359461" y="2762"/>
+        <a:ext cx="1443563" cy="298394"/>
       </dsp:txXfrm>
     </dsp:sp>
     <dsp:sp modelId="{F7628482-2058-436A-8E68-7A86BBED611A}">
@@ -3904,8 +3950,8 @@
       </dsp:nvSpPr>
       <dsp:spPr>
         <a:xfrm>
-          <a:off x="5371034" y="381455"/>
-          <a:ext cx="1461857" cy="302175"/>
+          <a:off x="5359461" y="375755"/>
+          <a:ext cx="1443563" cy="298394"/>
         </a:xfrm>
         <a:prstGeom prst="rect">
           <a:avLst/>
@@ -3972,8 +4018,8 @@
         </a:p>
       </dsp:txBody>
       <dsp:txXfrm>
-        <a:off x="5371034" y="381455"/>
-        <a:ext cx="1461857" cy="302175"/>
+        <a:off x="5359461" y="375755"/>
+        <a:ext cx="1443563" cy="298394"/>
       </dsp:txXfrm>
     </dsp:sp>
     <dsp:sp modelId="{5A45E476-B4A8-4F92-A377-DC8BAB264595}">
@@ -3983,8 +4029,8 @@
       </dsp:nvSpPr>
       <dsp:spPr>
         <a:xfrm>
-          <a:off x="5371034" y="759175"/>
-          <a:ext cx="1461857" cy="302175"/>
+          <a:off x="5359461" y="748748"/>
+          <a:ext cx="1443563" cy="298394"/>
         </a:xfrm>
         <a:prstGeom prst="rect">
           <a:avLst/>
@@ -4051,8 +4097,8 @@
         </a:p>
       </dsp:txBody>
       <dsp:txXfrm>
-        <a:off x="5371034" y="759175"/>
-        <a:ext cx="1461857" cy="302175"/>
+        <a:off x="5359461" y="748748"/>
+        <a:ext cx="1443563" cy="298394"/>
       </dsp:txXfrm>
     </dsp:sp>
     <dsp:sp modelId="{A7765845-3189-424A-AADF-28D504AD0771}">
@@ -4062,8 +4108,8 @@
       </dsp:nvSpPr>
       <dsp:spPr>
         <a:xfrm>
-          <a:off x="5371034" y="1136895"/>
-          <a:ext cx="1461857" cy="302175"/>
+          <a:off x="5359461" y="1121741"/>
+          <a:ext cx="1443563" cy="298394"/>
         </a:xfrm>
         <a:prstGeom prst="rect">
           <a:avLst/>
@@ -4130,8 +4176,8 @@
         </a:p>
       </dsp:txBody>
       <dsp:txXfrm>
-        <a:off x="5371034" y="1136895"/>
-        <a:ext cx="1461857" cy="302175"/>
+        <a:off x="5359461" y="1121741"/>
+        <a:ext cx="1443563" cy="298394"/>
       </dsp:txXfrm>
     </dsp:sp>
     <dsp:sp modelId="{AEA1D093-AF17-478D-BB8B-A523492C5EE0}">
@@ -4141,8 +4187,8 @@
       </dsp:nvSpPr>
       <dsp:spPr>
         <a:xfrm>
-          <a:off x="5371034" y="1514615"/>
-          <a:ext cx="1461857" cy="302175"/>
+          <a:off x="5359461" y="1494734"/>
+          <a:ext cx="1443563" cy="298394"/>
         </a:xfrm>
         <a:prstGeom prst="rect">
           <a:avLst/>
@@ -4209,8 +4255,8 @@
         </a:p>
       </dsp:txBody>
       <dsp:txXfrm>
-        <a:off x="5371034" y="1514615"/>
-        <a:ext cx="1461857" cy="302175"/>
+        <a:off x="5359461" y="1494734"/>
+        <a:ext cx="1443563" cy="298394"/>
       </dsp:txXfrm>
     </dsp:sp>
     <dsp:sp modelId="{5793D072-3965-4FFE-AB37-B7FC83D142BF}">
@@ -4220,8 +4266,8 @@
       </dsp:nvSpPr>
       <dsp:spPr>
         <a:xfrm>
-          <a:off x="3965512" y="2647775"/>
-          <a:ext cx="1207294" cy="302175"/>
+          <a:off x="3971528" y="2565444"/>
+          <a:ext cx="1192185" cy="394934"/>
         </a:xfrm>
         <a:prstGeom prst="rect">
           <a:avLst/>
@@ -4284,12 +4330,30 @@
             <a:rPr lang="en-US" altLang="ko-KR" sz="800" kern="1200"/>
             <a:t>httpd_container_id/</a:t>
           </a:r>
-          <a:endParaRPr lang="ko-KR" altLang="en-US" sz="800" kern="1200"/>
+        </a:p>
+        <a:p>
+          <a:pPr marL="0" lvl="0" indent="0" algn="ctr" defTabSz="355600" latinLnBrk="1">
+            <a:lnSpc>
+              <a:spcPct val="90000"/>
+            </a:lnSpc>
+            <a:spcBef>
+              <a:spcPct val="0"/>
+            </a:spcBef>
+            <a:spcAft>
+              <a:spcPct val="35000"/>
+            </a:spcAft>
+            <a:buNone/>
+          </a:pPr>
+          <a:r>
+            <a:rPr lang="en-US" altLang="ko-KR" sz="800" b="1" kern="1200"/>
+            <a:t>OverlayFS</a:t>
+          </a:r>
+          <a:endParaRPr lang="ko-KR" altLang="en-US" sz="800" b="1" kern="1200"/>
         </a:p>
       </dsp:txBody>
       <dsp:txXfrm>
-        <a:off x="3965512" y="2647775"/>
-        <a:ext cx="1207294" cy="302175"/>
+        <a:off x="3971528" y="2565444"/>
+        <a:ext cx="1192185" cy="394934"/>
       </dsp:txXfrm>
     </dsp:sp>
     <dsp:sp modelId="{1E714698-81A2-4AF4-8977-F8906C304AAE}">
@@ -4299,8 +4363,8 @@
       </dsp:nvSpPr>
       <dsp:spPr>
         <a:xfrm>
-          <a:off x="5371034" y="1892335"/>
-          <a:ext cx="1461857" cy="302175"/>
+          <a:off x="5359461" y="1867727"/>
+          <a:ext cx="1443563" cy="298394"/>
         </a:xfrm>
         <a:prstGeom prst="rect">
           <a:avLst/>
@@ -4367,8 +4431,8 @@
         </a:p>
       </dsp:txBody>
       <dsp:txXfrm>
-        <a:off x="5371034" y="1892335"/>
-        <a:ext cx="1461857" cy="302175"/>
+        <a:off x="5359461" y="1867727"/>
+        <a:ext cx="1443563" cy="298394"/>
       </dsp:txXfrm>
     </dsp:sp>
     <dsp:sp modelId="{F71629B8-9755-4DB1-AFFE-3A77BC2BB67F}">
@@ -4378,8 +4442,8 @@
       </dsp:nvSpPr>
       <dsp:spPr>
         <a:xfrm>
-          <a:off x="5371034" y="2270055"/>
-          <a:ext cx="1461857" cy="302175"/>
+          <a:off x="5359461" y="2240720"/>
+          <a:ext cx="1443563" cy="298394"/>
         </a:xfrm>
         <a:prstGeom prst="rect">
           <a:avLst/>
@@ -4446,8 +4510,8 @@
         </a:p>
       </dsp:txBody>
       <dsp:txXfrm>
-        <a:off x="5371034" y="2270055"/>
-        <a:ext cx="1461857" cy="302175"/>
+        <a:off x="5359461" y="2240720"/>
+        <a:ext cx="1443563" cy="298394"/>
       </dsp:txXfrm>
     </dsp:sp>
     <dsp:sp modelId="{359A9967-C94C-4CB2-A65B-30EECCAA8622}">
@@ -4457,8 +4521,8 @@
       </dsp:nvSpPr>
       <dsp:spPr>
         <a:xfrm>
-          <a:off x="5371034" y="2647775"/>
-          <a:ext cx="1461857" cy="302175"/>
+          <a:off x="5359461" y="2613714"/>
+          <a:ext cx="1443563" cy="298394"/>
         </a:xfrm>
         <a:prstGeom prst="rect">
           <a:avLst/>
@@ -4525,8 +4589,8 @@
         </a:p>
       </dsp:txBody>
       <dsp:txXfrm>
-        <a:off x="5371034" y="2647775"/>
-        <a:ext cx="1461857" cy="302175"/>
+        <a:off x="5359461" y="2613714"/>
+        <a:ext cx="1443563" cy="298394"/>
       </dsp:txXfrm>
     </dsp:sp>
     <dsp:sp modelId="{B9494DD2-9DB7-4765-AE8E-FDC0E17AD431}">
@@ -4536,8 +4600,8 @@
       </dsp:nvSpPr>
       <dsp:spPr>
         <a:xfrm>
-          <a:off x="5371034" y="3025495"/>
-          <a:ext cx="1461857" cy="302175"/>
+          <a:off x="5359461" y="2986707"/>
+          <a:ext cx="1443563" cy="298394"/>
         </a:xfrm>
         <a:prstGeom prst="rect">
           <a:avLst/>
@@ -4604,8 +4668,8 @@
         </a:p>
       </dsp:txBody>
       <dsp:txXfrm>
-        <a:off x="5371034" y="3025495"/>
-        <a:ext cx="1461857" cy="302175"/>
+        <a:off x="5359461" y="2986707"/>
+        <a:ext cx="1443563" cy="298394"/>
       </dsp:txXfrm>
     </dsp:sp>
     <dsp:sp modelId="{D1E1C685-0EA1-4336-B92C-BB6F89219F4D}">
@@ -4615,8 +4679,8 @@
       </dsp:nvSpPr>
       <dsp:spPr>
         <a:xfrm>
-          <a:off x="5371034" y="3403215"/>
-          <a:ext cx="1461857" cy="302175"/>
+          <a:off x="5359461" y="3359700"/>
+          <a:ext cx="1443563" cy="298394"/>
         </a:xfrm>
         <a:prstGeom prst="rect">
           <a:avLst/>
@@ -4683,8 +4747,8 @@
         </a:p>
       </dsp:txBody>
       <dsp:txXfrm>
-        <a:off x="5371034" y="3403215"/>
-        <a:ext cx="1461857" cy="302175"/>
+        <a:off x="5359461" y="3359700"/>
+        <a:ext cx="1443563" cy="298394"/>
       </dsp:txXfrm>
     </dsp:sp>
     <dsp:sp modelId="{8F3F58A7-BA49-463B-81E8-DA241780BFD6}">
@@ -4694,8 +4758,8 @@
       </dsp:nvSpPr>
       <dsp:spPr>
         <a:xfrm>
-          <a:off x="2559991" y="3214355"/>
-          <a:ext cx="360555" cy="302175"/>
+          <a:off x="2583596" y="3221473"/>
+          <a:ext cx="356043" cy="298394"/>
         </a:xfrm>
         <a:prstGeom prst="rect">
           <a:avLst/>
@@ -4762,8 +4826,8 @@
         </a:p>
       </dsp:txBody>
       <dsp:txXfrm>
-        <a:off x="2559991" y="3214355"/>
-        <a:ext cx="360555" cy="302175"/>
+        <a:off x="2583596" y="3221473"/>
+        <a:ext cx="356043" cy="298394"/>
       </dsp:txXfrm>
     </dsp:sp>
     <dsp:sp modelId="{363ACE87-8C25-49D4-9B84-532482D67FCE}">
@@ -4773,8 +4837,8 @@
       </dsp:nvSpPr>
       <dsp:spPr>
         <a:xfrm>
-          <a:off x="3118774" y="3025495"/>
-          <a:ext cx="1207294" cy="302175"/>
+          <a:off x="3135386" y="3034976"/>
+          <a:ext cx="1192185" cy="298394"/>
         </a:xfrm>
         <a:prstGeom prst="rect">
           <a:avLst/>
@@ -4841,8 +4905,8 @@
         </a:p>
       </dsp:txBody>
       <dsp:txXfrm>
-        <a:off x="3118774" y="3025495"/>
-        <a:ext cx="1207294" cy="302175"/>
+        <a:off x="3135386" y="3034976"/>
+        <a:ext cx="1192185" cy="298394"/>
       </dsp:txXfrm>
     </dsp:sp>
     <dsp:sp modelId="{3AA0ADFE-7CA1-42A4-AD16-7669E4AF08EC}">
@@ -4852,8 +4916,8 @@
       </dsp:nvSpPr>
       <dsp:spPr>
         <a:xfrm>
-          <a:off x="3118774" y="3403215"/>
-          <a:ext cx="1207294" cy="302175"/>
+          <a:off x="3135386" y="3407969"/>
+          <a:ext cx="1192185" cy="298394"/>
         </a:xfrm>
         <a:prstGeom prst="rect">
           <a:avLst/>
@@ -4920,8 +4984,8 @@
         </a:p>
       </dsp:txBody>
       <dsp:txXfrm>
-        <a:off x="3118774" y="3403215"/>
-        <a:ext cx="1207294" cy="302175"/>
+        <a:off x="3135386" y="3407969"/>
+        <a:ext cx="1192185" cy="298394"/>
       </dsp:txXfrm>
     </dsp:sp>
   </dsp:spTree>
@@ -6367,7 +6431,7 @@
           <a:p>
             <a:fld id="{6CD5550B-26C4-49A9-A5BA-636EF7BE6CE9}" type="datetimeFigureOut">
               <a:rPr lang="ko-KR" altLang="en-US" smtClean="0"/>
-              <a:t>2020-07-12</a:t>
+              <a:t>2020-07-14</a:t>
             </a:fld>
             <a:endParaRPr lang="ko-KR" altLang="en-US"/>
           </a:p>
@@ -6913,7 +6977,7 @@
           <a:p>
             <a:fld id="{FB30EDBD-1C2D-4C1E-B459-B60219FAB484}" type="datetimeFigureOut">
               <a:rPr lang="ko-KR" altLang="en-US" smtClean="0"/>
-              <a:t>2020-07-12</a:t>
+              <a:t>2020-07-14</a:t>
             </a:fld>
             <a:endParaRPr lang="ko-KR" altLang="en-US"/>
           </a:p>
@@ -7076,7 +7140,7 @@
           <a:p>
             <a:fld id="{FB30EDBD-1C2D-4C1E-B459-B60219FAB484}" type="datetimeFigureOut">
               <a:rPr lang="ko-KR" altLang="en-US" smtClean="0"/>
-              <a:t>2020-07-12</a:t>
+              <a:t>2020-07-14</a:t>
             </a:fld>
             <a:endParaRPr lang="ko-KR" altLang="en-US"/>
           </a:p>
@@ -7249,7 +7313,7 @@
           <a:p>
             <a:fld id="{FB30EDBD-1C2D-4C1E-B459-B60219FAB484}" type="datetimeFigureOut">
               <a:rPr lang="ko-KR" altLang="en-US" smtClean="0"/>
-              <a:t>2020-07-12</a:t>
+              <a:t>2020-07-14</a:t>
             </a:fld>
             <a:endParaRPr lang="ko-KR" altLang="en-US"/>
           </a:p>
@@ -7412,7 +7476,7 @@
           <a:p>
             <a:fld id="{FB30EDBD-1C2D-4C1E-B459-B60219FAB484}" type="datetimeFigureOut">
               <a:rPr lang="ko-KR" altLang="en-US" smtClean="0"/>
-              <a:t>2020-07-12</a:t>
+              <a:t>2020-07-14</a:t>
             </a:fld>
             <a:endParaRPr lang="ko-KR" altLang="en-US"/>
           </a:p>
@@ -7652,7 +7716,7 @@
           <a:p>
             <a:fld id="{FB30EDBD-1C2D-4C1E-B459-B60219FAB484}" type="datetimeFigureOut">
               <a:rPr lang="ko-KR" altLang="en-US" smtClean="0"/>
-              <a:t>2020-07-12</a:t>
+              <a:t>2020-07-14</a:t>
             </a:fld>
             <a:endParaRPr lang="ko-KR" altLang="en-US"/>
           </a:p>
@@ -7932,7 +7996,7 @@
           <a:p>
             <a:fld id="{FB30EDBD-1C2D-4C1E-B459-B60219FAB484}" type="datetimeFigureOut">
               <a:rPr lang="ko-KR" altLang="en-US" smtClean="0"/>
-              <a:t>2020-07-12</a:t>
+              <a:t>2020-07-14</a:t>
             </a:fld>
             <a:endParaRPr lang="ko-KR" altLang="en-US"/>
           </a:p>
@@ -8346,7 +8410,7 @@
           <a:p>
             <a:fld id="{FB30EDBD-1C2D-4C1E-B459-B60219FAB484}" type="datetimeFigureOut">
               <a:rPr lang="ko-KR" altLang="en-US" smtClean="0"/>
-              <a:t>2020-07-12</a:t>
+              <a:t>2020-07-14</a:t>
             </a:fld>
             <a:endParaRPr lang="ko-KR" altLang="en-US"/>
           </a:p>
@@ -8458,7 +8522,7 @@
           <a:p>
             <a:fld id="{FB30EDBD-1C2D-4C1E-B459-B60219FAB484}" type="datetimeFigureOut">
               <a:rPr lang="ko-KR" altLang="en-US" smtClean="0"/>
-              <a:t>2020-07-12</a:t>
+              <a:t>2020-07-14</a:t>
             </a:fld>
             <a:endParaRPr lang="ko-KR" altLang="en-US"/>
           </a:p>
@@ -8548,7 +8612,7 @@
           <a:p>
             <a:fld id="{FB30EDBD-1C2D-4C1E-B459-B60219FAB484}" type="datetimeFigureOut">
               <a:rPr lang="ko-KR" altLang="en-US" smtClean="0"/>
-              <a:t>2020-07-12</a:t>
+              <a:t>2020-07-14</a:t>
             </a:fld>
             <a:endParaRPr lang="ko-KR" altLang="en-US"/>
           </a:p>
@@ -8818,7 +8882,7 @@
           <a:p>
             <a:fld id="{FB30EDBD-1C2D-4C1E-B459-B60219FAB484}" type="datetimeFigureOut">
               <a:rPr lang="ko-KR" altLang="en-US" smtClean="0"/>
-              <a:t>2020-07-12</a:t>
+              <a:t>2020-07-14</a:t>
             </a:fld>
             <a:endParaRPr lang="ko-KR" altLang="en-US"/>
           </a:p>
@@ -9065,7 +9129,7 @@
           <a:p>
             <a:fld id="{FB30EDBD-1C2D-4C1E-B459-B60219FAB484}" type="datetimeFigureOut">
               <a:rPr lang="ko-KR" altLang="en-US" smtClean="0"/>
-              <a:t>2020-07-12</a:t>
+              <a:t>2020-07-14</a:t>
             </a:fld>
             <a:endParaRPr lang="ko-KR" altLang="en-US"/>
           </a:p>
@@ -9271,7 +9335,7 @@
           <a:p>
             <a:fld id="{FB30EDBD-1C2D-4C1E-B459-B60219FAB484}" type="datetimeFigureOut">
               <a:rPr lang="ko-KR" altLang="en-US" smtClean="0"/>
-              <a:t>2020-07-12</a:t>
+              <a:t>2020-07-14</a:t>
             </a:fld>
             <a:endParaRPr lang="ko-KR" altLang="en-US"/>
           </a:p>
@@ -9692,7 +9756,7 @@
           <p:nvPr>
             <p:extLst>
               <p:ext uri="{D42A27DB-BD31-4B8C-83A1-F6EECF244321}">
-                <p14:modId xmlns:p14="http://schemas.microsoft.com/office/powerpoint/2010/main" val="1011060060"/>
+                <p14:modId xmlns:p14="http://schemas.microsoft.com/office/powerpoint/2010/main" val="3561225221"/>
               </p:ext>
             </p:extLst>
           </p:nvPr>
@@ -9775,31 +9839,6 @@
               </a:rPr>
               <a:t>Mount Namespace</a:t>
             </a:r>
-          </a:p>
-          <a:p>
-            <a:r>
-              <a:rPr lang="en-US" altLang="ko-KR" sz="900">
-                <a:solidFill>
-                  <a:schemeClr val="tx1"/>
-                </a:solidFill>
-              </a:rPr>
-              <a:t>- OverlayFS</a:t>
-            </a:r>
-          </a:p>
-          <a:p>
-            <a:r>
-              <a:rPr lang="en-US" altLang="ko-KR" sz="900">
-                <a:solidFill>
-                  <a:schemeClr val="tx1"/>
-                </a:solidFill>
-              </a:rPr>
-              <a:t>- pivot_root()</a:t>
-            </a:r>
-            <a:endParaRPr lang="ko-KR" altLang="en-US" sz="900">
-              <a:solidFill>
-                <a:schemeClr val="tx1"/>
-              </a:solidFill>
-            </a:endParaRPr>
           </a:p>
         </p:txBody>
       </p:sp>
@@ -10019,24 +10058,6 @@
             </a:r>
           </a:p>
           <a:p>
-            <a:r>
-              <a:rPr lang="en-US" altLang="ko-KR" sz="900">
-                <a:solidFill>
-                  <a:schemeClr val="tx1"/>
-                </a:solidFill>
-              </a:rPr>
-              <a:t>- OverlayFS</a:t>
-            </a:r>
-          </a:p>
-          <a:p>
-            <a:r>
-              <a:rPr lang="en-US" altLang="ko-KR" sz="900">
-                <a:solidFill>
-                  <a:schemeClr val="tx1"/>
-                </a:solidFill>
-              </a:rPr>
-              <a:t>- pivot_root()</a:t>
-            </a:r>
             <a:endParaRPr lang="ko-KR" altLang="en-US" sz="900">
               <a:solidFill>
                 <a:schemeClr val="tx1"/>
